--- a/Chap/Prog02/Presentations/Dictionary.pptx
+++ b/Chap/Prog02/Presentations/Dictionary.pptx
@@ -261,7 +261,7 @@
           <a:p>
             <a:fld id="{E15B7D8E-2A20-4C0E-991C-872DBB7459A8}" type="datetimeFigureOut">
               <a:rPr lang="da-DK" smtClean="0"/>
-              <a:t>11-08-2022</a:t>
+              <a:t>11-10-2023</a:t>
             </a:fld>
             <a:endParaRPr lang="da-DK"/>
           </a:p>
@@ -429,7 +429,7 @@
           <a:p>
             <a:fld id="{E15B7D8E-2A20-4C0E-991C-872DBB7459A8}" type="datetimeFigureOut">
               <a:rPr lang="da-DK" smtClean="0"/>
-              <a:t>11-08-2022</a:t>
+              <a:t>11-10-2023</a:t>
             </a:fld>
             <a:endParaRPr lang="da-DK"/>
           </a:p>
@@ -607,7 +607,7 @@
           <a:p>
             <a:fld id="{E15B7D8E-2A20-4C0E-991C-872DBB7459A8}" type="datetimeFigureOut">
               <a:rPr lang="da-DK" smtClean="0"/>
-              <a:t>11-08-2022</a:t>
+              <a:t>11-10-2023</a:t>
             </a:fld>
             <a:endParaRPr lang="da-DK"/>
           </a:p>
@@ -775,7 +775,7 @@
           <a:p>
             <a:fld id="{E15B7D8E-2A20-4C0E-991C-872DBB7459A8}" type="datetimeFigureOut">
               <a:rPr lang="da-DK" smtClean="0"/>
-              <a:t>11-08-2022</a:t>
+              <a:t>11-10-2023</a:t>
             </a:fld>
             <a:endParaRPr lang="da-DK"/>
           </a:p>
@@ -1020,7 +1020,7 @@
           <a:p>
             <a:fld id="{E15B7D8E-2A20-4C0E-991C-872DBB7459A8}" type="datetimeFigureOut">
               <a:rPr lang="da-DK" smtClean="0"/>
-              <a:t>11-08-2022</a:t>
+              <a:t>11-10-2023</a:t>
             </a:fld>
             <a:endParaRPr lang="da-DK"/>
           </a:p>
@@ -1249,7 +1249,7 @@
           <a:p>
             <a:fld id="{E15B7D8E-2A20-4C0E-991C-872DBB7459A8}" type="datetimeFigureOut">
               <a:rPr lang="da-DK" smtClean="0"/>
-              <a:t>11-08-2022</a:t>
+              <a:t>11-10-2023</a:t>
             </a:fld>
             <a:endParaRPr lang="da-DK"/>
           </a:p>
@@ -1613,7 +1613,7 @@
           <a:p>
             <a:fld id="{E15B7D8E-2A20-4C0E-991C-872DBB7459A8}" type="datetimeFigureOut">
               <a:rPr lang="da-DK" smtClean="0"/>
-              <a:t>11-08-2022</a:t>
+              <a:t>11-10-2023</a:t>
             </a:fld>
             <a:endParaRPr lang="da-DK"/>
           </a:p>
@@ -1730,7 +1730,7 @@
           <a:p>
             <a:fld id="{E15B7D8E-2A20-4C0E-991C-872DBB7459A8}" type="datetimeFigureOut">
               <a:rPr lang="da-DK" smtClean="0"/>
-              <a:t>11-08-2022</a:t>
+              <a:t>11-10-2023</a:t>
             </a:fld>
             <a:endParaRPr lang="da-DK"/>
           </a:p>
@@ -1825,7 +1825,7 @@
           <a:p>
             <a:fld id="{E15B7D8E-2A20-4C0E-991C-872DBB7459A8}" type="datetimeFigureOut">
               <a:rPr lang="da-DK" smtClean="0"/>
-              <a:t>11-08-2022</a:t>
+              <a:t>11-10-2023</a:t>
             </a:fld>
             <a:endParaRPr lang="da-DK"/>
           </a:p>
@@ -2100,7 +2100,7 @@
           <a:p>
             <a:fld id="{E15B7D8E-2A20-4C0E-991C-872DBB7459A8}" type="datetimeFigureOut">
               <a:rPr lang="da-DK" smtClean="0"/>
-              <a:t>11-08-2022</a:t>
+              <a:t>11-10-2023</a:t>
             </a:fld>
             <a:endParaRPr lang="da-DK"/>
           </a:p>
@@ -2352,7 +2352,7 @@
           <a:p>
             <a:fld id="{E15B7D8E-2A20-4C0E-991C-872DBB7459A8}" type="datetimeFigureOut">
               <a:rPr lang="da-DK" smtClean="0"/>
-              <a:t>11-08-2022</a:t>
+              <a:t>11-10-2023</a:t>
             </a:fld>
             <a:endParaRPr lang="da-DK"/>
           </a:p>
@@ -2563,7 +2563,7 @@
           <a:p>
             <a:fld id="{E15B7D8E-2A20-4C0E-991C-872DBB7459A8}" type="datetimeFigureOut">
               <a:rPr lang="da-DK" smtClean="0"/>
-              <a:t>11-08-2022</a:t>
+              <a:t>11-10-2023</a:t>
             </a:fld>
             <a:endParaRPr lang="da-DK"/>
           </a:p>
@@ -11957,7 +11957,7 @@
           <a:lstStyle/>
           <a:p>
             <a:r>
-              <a:rPr lang="da-DK" sz="2400" b="1">
+              <a:rPr lang="da-DK" sz="2400" b="1" dirty="0">
                 <a:solidFill>
                   <a:schemeClr val="accent6">
                     <a:lumMod val="75000"/>
@@ -11965,16 +11965,28 @@
                 </a:solidFill>
                 <a:latin typeface="Consolas" panose="020B0609020204030204" pitchFamily="49" charset="0"/>
               </a:rPr>
-              <a:t>Student</a:t>
-            </a:r>
-            <a:r>
-              <a:rPr lang="da-DK" sz="2400" b="1">
-                <a:latin typeface="Consolas" panose="020B0609020204030204" pitchFamily="49" charset="0"/>
-              </a:rPr>
-              <a:t> s = students.ContainsKey(cpr) ? students[cpr] : </a:t>
-            </a:r>
-            <a:r>
-              <a:rPr lang="da-DK" sz="2400" b="1">
+              <a:t>Student?</a:t>
+            </a:r>
+            <a:r>
+              <a:rPr lang="da-DK" sz="2400" b="1" dirty="0">
+                <a:latin typeface="Consolas" panose="020B0609020204030204" pitchFamily="49" charset="0"/>
+              </a:rPr>
+              <a:t> s = </a:t>
+            </a:r>
+            <a:r>
+              <a:rPr lang="da-DK" sz="2400" b="1" dirty="0" err="1">
+                <a:latin typeface="Consolas" panose="020B0609020204030204" pitchFamily="49" charset="0"/>
+              </a:rPr>
+              <a:t>students.ContainsKey</a:t>
+            </a:r>
+            <a:r>
+              <a:rPr lang="da-DK" sz="2400" b="1" dirty="0">
+                <a:latin typeface="Consolas" panose="020B0609020204030204" pitchFamily="49" charset="0"/>
+              </a:rPr>
+              <a:t>(cpr) ? students[cpr] : </a:t>
+            </a:r>
+            <a:r>
+              <a:rPr lang="da-DK" sz="2400" b="1" dirty="0" err="1">
                 <a:solidFill>
                   <a:srgbClr val="0070C0"/>
                 </a:solidFill>
@@ -11983,7 +11995,7 @@
               <a:t>null</a:t>
             </a:r>
             <a:r>
-              <a:rPr lang="da-DK" sz="2400" b="1">
+              <a:rPr lang="da-DK" sz="2400" b="1" dirty="0">
                 <a:latin typeface="Consolas" panose="020B0609020204030204" pitchFamily="49" charset="0"/>
               </a:rPr>
               <a:t>;</a:t>
@@ -14147,7 +14159,7 @@
           <a:lstStyle/>
           <a:p>
             <a:r>
-              <a:rPr lang="da-DK" b="1">
+              <a:rPr lang="da-DK" b="1" dirty="0">
                 <a:solidFill>
                   <a:srgbClr val="0070C0"/>
                 </a:solidFill>
@@ -14156,13 +14168,13 @@
               <a:t>public</a:t>
             </a:r>
             <a:r>
-              <a:rPr lang="da-DK" b="1">
+              <a:rPr lang="da-DK" b="1" dirty="0">
                 <a:latin typeface="Consolas" panose="020B0609020204030204" pitchFamily="49" charset="0"/>
               </a:rPr>
               <a:t> </a:t>
             </a:r>
             <a:r>
-              <a:rPr lang="da-DK" b="1">
+              <a:rPr lang="da-DK" b="1" dirty="0">
                 <a:solidFill>
                   <a:schemeClr val="accent6">
                     <a:lumMod val="75000"/>
@@ -14170,16 +14182,28 @@
                 </a:solidFill>
                 <a:latin typeface="Consolas" panose="020B0609020204030204" pitchFamily="49" charset="0"/>
               </a:rPr>
-              <a:t>Student</a:t>
-            </a:r>
-            <a:r>
-              <a:rPr lang="da-DK" b="1">
-                <a:latin typeface="Consolas" panose="020B0609020204030204" pitchFamily="49" charset="0"/>
-              </a:rPr>
-              <a:t> Lookup(</a:t>
-            </a:r>
-            <a:r>
-              <a:rPr lang="da-DK" b="1">
+              <a:t>Student?</a:t>
+            </a:r>
+            <a:r>
+              <a:rPr lang="da-DK" b="1" dirty="0">
+                <a:latin typeface="Consolas" panose="020B0609020204030204" pitchFamily="49" charset="0"/>
+              </a:rPr>
+              <a:t> </a:t>
+            </a:r>
+            <a:r>
+              <a:rPr lang="da-DK" b="1" dirty="0" err="1">
+                <a:latin typeface="Consolas" panose="020B0609020204030204" pitchFamily="49" charset="0"/>
+              </a:rPr>
+              <a:t>Lookup</a:t>
+            </a:r>
+            <a:r>
+              <a:rPr lang="da-DK" b="1" dirty="0">
+                <a:latin typeface="Consolas" panose="020B0609020204030204" pitchFamily="49" charset="0"/>
+              </a:rPr>
+              <a:t>(</a:t>
+            </a:r>
+            <a:r>
+              <a:rPr lang="da-DK" b="1" dirty="0" err="1">
                 <a:solidFill>
                   <a:srgbClr val="0070C0"/>
                 </a:solidFill>
@@ -14188,7 +14212,7 @@
               <a:t>string</a:t>
             </a:r>
             <a:r>
-              <a:rPr lang="da-DK" b="1">
+              <a:rPr lang="da-DK" b="1" dirty="0">
                 <a:latin typeface="Consolas" panose="020B0609020204030204" pitchFamily="49" charset="0"/>
               </a:rPr>
               <a:t> cpr)</a:t>
@@ -14196,7 +14220,7 @@
           </a:p>
           <a:p>
             <a:r>
-              <a:rPr lang="da-DK" b="1">
+              <a:rPr lang="da-DK" b="1" dirty="0">
                 <a:latin typeface="Consolas" panose="020B0609020204030204" pitchFamily="49" charset="0"/>
               </a:rPr>
               <a:t>{</a:t>
@@ -14204,13 +14228,13 @@
           </a:p>
           <a:p>
             <a:r>
-              <a:rPr lang="da-DK" b="1">
+              <a:rPr lang="da-DK" b="1" dirty="0">
                 <a:latin typeface="Consolas" panose="020B0609020204030204" pitchFamily="49" charset="0"/>
               </a:rPr>
               <a:t>   </a:t>
             </a:r>
             <a:r>
-              <a:rPr lang="da-DK" b="1">
+              <a:rPr lang="da-DK" b="1" dirty="0" err="1">
                 <a:solidFill>
                   <a:srgbClr val="0070C0"/>
                 </a:solidFill>
@@ -14219,13 +14243,13 @@
               <a:t>foreach</a:t>
             </a:r>
             <a:r>
-              <a:rPr lang="da-DK" b="1">
+              <a:rPr lang="da-DK" b="1" dirty="0">
                 <a:latin typeface="Consolas" panose="020B0609020204030204" pitchFamily="49" charset="0"/>
               </a:rPr>
               <a:t> (</a:t>
             </a:r>
             <a:r>
-              <a:rPr lang="da-DK" b="1">
+              <a:rPr lang="da-DK" b="1" dirty="0">
                 <a:solidFill>
                   <a:schemeClr val="accent6">
                     <a:lumMod val="75000"/>
@@ -14236,13 +14260,13 @@
               <a:t>Student</a:t>
             </a:r>
             <a:r>
-              <a:rPr lang="da-DK" b="1">
+              <a:rPr lang="da-DK" b="1" dirty="0">
                 <a:latin typeface="Consolas" panose="020B0609020204030204" pitchFamily="49" charset="0"/>
               </a:rPr>
               <a:t> s </a:t>
             </a:r>
             <a:r>
-              <a:rPr lang="da-DK" b="1">
+              <a:rPr lang="da-DK" b="1" dirty="0">
                 <a:solidFill>
                   <a:srgbClr val="0070C0"/>
                 </a:solidFill>
@@ -14251,7 +14275,7 @@
               <a:t>in</a:t>
             </a:r>
             <a:r>
-              <a:rPr lang="da-DK" b="1">
+              <a:rPr lang="da-DK" b="1" dirty="0">
                 <a:latin typeface="Consolas" panose="020B0609020204030204" pitchFamily="49" charset="0"/>
               </a:rPr>
               <a:t> students)</a:t>
@@ -14259,7 +14283,7 @@
           </a:p>
           <a:p>
             <a:r>
-              <a:rPr lang="da-DK" b="1">
+              <a:rPr lang="da-DK" b="1" dirty="0">
                 <a:latin typeface="Consolas" panose="020B0609020204030204" pitchFamily="49" charset="0"/>
               </a:rPr>
               <a:t>   {</a:t>
@@ -14267,13 +14291,13 @@
           </a:p>
           <a:p>
             <a:r>
-              <a:rPr lang="da-DK" b="1">
+              <a:rPr lang="da-DK" b="1" dirty="0">
                 <a:latin typeface="Consolas" panose="020B0609020204030204" pitchFamily="49" charset="0"/>
               </a:rPr>
               <a:t>      </a:t>
             </a:r>
             <a:r>
-              <a:rPr lang="da-DK" b="1">
+              <a:rPr lang="da-DK" b="1" dirty="0" err="1">
                 <a:solidFill>
                   <a:srgbClr val="0070C0"/>
                 </a:solidFill>
@@ -14282,13 +14306,25 @@
               <a:t>if</a:t>
             </a:r>
             <a:r>
-              <a:rPr lang="da-DK" b="1">
-                <a:latin typeface="Consolas" panose="020B0609020204030204" pitchFamily="49" charset="0"/>
-              </a:rPr>
-              <a:t> (s.CPR == cpr) </a:t>
-            </a:r>
-            <a:r>
-              <a:rPr lang="da-DK" b="1">
+              <a:rPr lang="da-DK" b="1" dirty="0">
+                <a:latin typeface="Consolas" panose="020B0609020204030204" pitchFamily="49" charset="0"/>
+              </a:rPr>
+              <a:t> (</a:t>
+            </a:r>
+            <a:r>
+              <a:rPr lang="da-DK" b="1" dirty="0" err="1">
+                <a:latin typeface="Consolas" panose="020B0609020204030204" pitchFamily="49" charset="0"/>
+              </a:rPr>
+              <a:t>s.CPR</a:t>
+            </a:r>
+            <a:r>
+              <a:rPr lang="da-DK" b="1" dirty="0">
+                <a:latin typeface="Consolas" panose="020B0609020204030204" pitchFamily="49" charset="0"/>
+              </a:rPr>
+              <a:t> == cpr) </a:t>
+            </a:r>
+            <a:r>
+              <a:rPr lang="da-DK" b="1" dirty="0">
                 <a:solidFill>
                   <a:srgbClr val="0070C0"/>
                 </a:solidFill>
@@ -14297,7 +14333,7 @@
               <a:t>return </a:t>
             </a:r>
             <a:r>
-              <a:rPr lang="da-DK" b="1">
+              <a:rPr lang="da-DK" b="1" dirty="0">
                 <a:latin typeface="Consolas" panose="020B0609020204030204" pitchFamily="49" charset="0"/>
               </a:rPr>
               <a:t>s;</a:t>
@@ -14305,35 +14341,44 @@
           </a:p>
           <a:p>
             <a:r>
-              <a:rPr lang="da-DK" b="1">
+              <a:rPr lang="da-DK" b="1" dirty="0">
                 <a:latin typeface="Consolas" panose="020B0609020204030204" pitchFamily="49" charset="0"/>
               </a:rPr>
               <a:t>   }</a:t>
             </a:r>
           </a:p>
           <a:p>
-            <a:endParaRPr lang="da-DK" b="1">
+            <a:endParaRPr lang="da-DK" b="1" dirty="0">
               <a:latin typeface="Consolas" panose="020B0609020204030204" pitchFamily="49" charset="0"/>
             </a:endParaRPr>
           </a:p>
           <a:p>
             <a:r>
-              <a:rPr lang="da-DK" b="1">
+              <a:rPr lang="da-DK" b="1" dirty="0">
                 <a:latin typeface="Consolas" panose="020B0609020204030204" pitchFamily="49" charset="0"/>
               </a:rPr>
               <a:t>   </a:t>
             </a:r>
             <a:r>
-              <a:rPr lang="da-DK" b="1">
+              <a:rPr lang="da-DK" b="1" dirty="0">
                 <a:solidFill>
                   <a:srgbClr val="0070C0"/>
                 </a:solidFill>
                 <a:latin typeface="Consolas" panose="020B0609020204030204" pitchFamily="49" charset="0"/>
               </a:rPr>
-              <a:t>return null</a:t>
-            </a:r>
-            <a:r>
-              <a:rPr lang="da-DK" b="1">
+              <a:t>return </a:t>
+            </a:r>
+            <a:r>
+              <a:rPr lang="da-DK" b="1" dirty="0" err="1">
+                <a:solidFill>
+                  <a:srgbClr val="0070C0"/>
+                </a:solidFill>
+                <a:latin typeface="Consolas" panose="020B0609020204030204" pitchFamily="49" charset="0"/>
+              </a:rPr>
+              <a:t>null</a:t>
+            </a:r>
+            <a:r>
+              <a:rPr lang="da-DK" b="1" dirty="0">
                 <a:latin typeface="Consolas" panose="020B0609020204030204" pitchFamily="49" charset="0"/>
               </a:rPr>
               <a:t>;</a:t>
@@ -14341,7 +14386,7 @@
           </a:p>
           <a:p>
             <a:r>
-              <a:rPr lang="da-DK" b="1">
+              <a:rPr lang="da-DK" b="1" dirty="0">
                 <a:latin typeface="Consolas" panose="020B0609020204030204" pitchFamily="49" charset="0"/>
               </a:rPr>
               <a:t>}</a:t>
